--- a/DETERMINATION OF GENUINENESS OF A MEDICAL PROFESSIONAL.pptx
+++ b/DETERMINATION OF GENUINENESS OF A MEDICAL PROFESSIONAL.pptx
@@ -12,7 +12,8 @@
     <p:sldId id="257" r:id="rId6"/>
     <p:sldId id="263" r:id="rId7"/>
     <p:sldId id="258" r:id="rId8"/>
-    <p:sldId id="259" r:id="rId9"/>
+    <p:sldId id="264" r:id="rId9"/>
+    <p:sldId id="259" r:id="rId10"/>
   </p:sldIdLst>
   <p:sldSz cx="12192000" cy="6858000"/>
   <p:notesSz cx="6858000" cy="9144000"/>
@@ -111,6 +112,11 @@
       </a:defRPr>
     </a:lvl9pPr>
   </p:defaultTextStyle>
+  <p:extLst>
+    <p:ext uri="{EFAFB233-063F-42B5-8137-9DF3F51BA10A}">
+      <p15:sldGuideLst xmlns:p15="http://schemas.microsoft.com/office/powerpoint/2012/main"/>
+    </p:ext>
+  </p:extLst>
 </p:presentation>
 </file>
 
@@ -6926,7 +6932,15 @@
                   <a:schemeClr val="bg1"/>
                 </a:solidFill>
               </a:rPr>
-              <a:t>OUR MODEL</a:t>
+              <a:t>OUR </a:t>
+            </a:r>
+            <a:r>
+              <a:rPr lang="en-US" sz="4000" b="1" dirty="0" smtClean="0">
+                <a:solidFill>
+                  <a:schemeClr val="bg1"/>
+                </a:solidFill>
+              </a:rPr>
+              <a:t>SOLUTION</a:t>
             </a:r>
             <a:endParaRPr lang="en-US" sz="4000" b="1" dirty="0">
               <a:solidFill>
@@ -7012,7 +7026,15 @@
                   <a:schemeClr val="bg1"/>
                 </a:solidFill>
               </a:rPr>
-              <a:t>Supervised Neural network.</a:t>
+              <a:t>Use a Supervised </a:t>
+            </a:r>
+            <a:r>
+              <a:rPr lang="en-US" sz="2200" dirty="0" smtClean="0">
+                <a:solidFill>
+                  <a:schemeClr val="bg1"/>
+                </a:solidFill>
+              </a:rPr>
+              <a:t>Neural network.</a:t>
             </a:r>
           </a:p>
           <a:p>
@@ -7029,7 +7051,15 @@
                   <a:schemeClr val="bg1"/>
                 </a:solidFill>
               </a:rPr>
-              <a:t>5 parameters as input.</a:t>
+              <a:t>Takes 5 </a:t>
+            </a:r>
+            <a:r>
+              <a:rPr lang="en-US" sz="2200" dirty="0" smtClean="0">
+                <a:solidFill>
+                  <a:schemeClr val="bg1"/>
+                </a:solidFill>
+              </a:rPr>
+              <a:t>parameters as input.</a:t>
             </a:r>
           </a:p>
           <a:p>
@@ -7319,8 +7349,8 @@
         </p:nvSpPr>
         <p:spPr>
           <a:xfrm>
-            <a:off x="5743574" y="266700"/>
-            <a:ext cx="5219701" cy="981075"/>
+            <a:off x="5974080" y="0"/>
+            <a:ext cx="5347063" cy="896983"/>
           </a:xfrm>
         </p:spPr>
         <p:txBody>
@@ -7344,18 +7374,177 @@
           </a:p>
         </p:txBody>
       </p:sp>
+      <p:sp>
+        <p:nvSpPr>
+          <p:cNvPr id="6" name="TextBox 5"/>
+          <p:cNvSpPr txBox="1"/>
+          <p:nvPr/>
+        </p:nvSpPr>
+        <p:spPr>
+          <a:xfrm>
+            <a:off x="5721531" y="957943"/>
+            <a:ext cx="6148252" cy="5324535"/>
+          </a:xfrm>
+          <a:prstGeom prst="rect">
+            <a:avLst/>
+          </a:prstGeom>
+          <a:noFill/>
+        </p:spPr>
+        <p:txBody>
+          <a:bodyPr wrap="square" rtlCol="0">
+            <a:spAutoFit/>
+          </a:bodyPr>
+          <a:lstStyle/>
+          <a:p>
+            <a:pPr marL="285750" indent="-285750" algn="just">
+              <a:buFont typeface="Wingdings" panose="05000000000000000000" pitchFamily="2" charset="2"/>
+              <a:buChar char="Ø"/>
+            </a:pPr>
+            <a:r>
+              <a:rPr lang="en-US" sz="2300" dirty="0" smtClean="0">
+                <a:solidFill>
+                  <a:schemeClr val="bg1"/>
+                </a:solidFill>
+              </a:rPr>
+              <a:t>Doctor requests data.</a:t>
+            </a:r>
+          </a:p>
+          <a:p>
+            <a:pPr marL="285750" indent="-285750" algn="just">
+              <a:buFont typeface="Wingdings" panose="05000000000000000000" pitchFamily="2" charset="2"/>
+              <a:buChar char="Ø"/>
+            </a:pPr>
+            <a:r>
+              <a:rPr lang="en-US" sz="2300" dirty="0" smtClean="0">
+                <a:solidFill>
+                  <a:schemeClr val="bg1"/>
+                </a:solidFill>
+              </a:rPr>
+              <a:t>Parameters captured and combined to form input to a neural network.</a:t>
+            </a:r>
+          </a:p>
+          <a:p>
+            <a:pPr marL="285750" indent="-285750" algn="just">
+              <a:buFont typeface="Wingdings" panose="05000000000000000000" pitchFamily="2" charset="2"/>
+              <a:buChar char="Ø"/>
+            </a:pPr>
+            <a:r>
+              <a:rPr lang="en-US" sz="2300" dirty="0" smtClean="0">
+                <a:solidFill>
+                  <a:schemeClr val="bg1"/>
+                </a:solidFill>
+              </a:rPr>
+              <a:t>For training phase a Knowledge base determines desired output and initial neural weights.</a:t>
+            </a:r>
+          </a:p>
+          <a:p>
+            <a:pPr marL="285750" indent="-285750" algn="just">
+              <a:buFont typeface="Wingdings" panose="05000000000000000000" pitchFamily="2" charset="2"/>
+              <a:buChar char="Ø"/>
+            </a:pPr>
+            <a:r>
+              <a:rPr lang="en-US" sz="2300" dirty="0" smtClean="0">
+                <a:solidFill>
+                  <a:schemeClr val="bg1"/>
+                </a:solidFill>
+              </a:rPr>
+              <a:t>Trained using error back </a:t>
+            </a:r>
+            <a:r>
+              <a:rPr lang="en-US" sz="2300" dirty="0" err="1" smtClean="0">
+                <a:solidFill>
+                  <a:schemeClr val="bg1"/>
+                </a:solidFill>
+              </a:rPr>
+              <a:t>propogation</a:t>
+            </a:r>
+            <a:r>
+              <a:rPr lang="en-US" sz="2300" dirty="0" smtClean="0">
+                <a:solidFill>
+                  <a:schemeClr val="bg1"/>
+                </a:solidFill>
+              </a:rPr>
+              <a:t> technique.</a:t>
+            </a:r>
+          </a:p>
+          <a:p>
+            <a:pPr marL="285750" indent="-285750" algn="just">
+              <a:buFont typeface="Wingdings" panose="05000000000000000000" pitchFamily="2" charset="2"/>
+              <a:buChar char="Ø"/>
+            </a:pPr>
+            <a:r>
+              <a:rPr lang="en-US" sz="2300" dirty="0" smtClean="0">
+                <a:solidFill>
+                  <a:schemeClr val="bg1"/>
+                </a:solidFill>
+              </a:rPr>
+              <a:t>After training phase - actual output of the data is calculated.</a:t>
+            </a:r>
+          </a:p>
+          <a:p>
+            <a:pPr marL="285750" indent="-285750" algn="just">
+              <a:buFont typeface="Wingdings" panose="05000000000000000000" pitchFamily="2" charset="2"/>
+              <a:buChar char="Ø"/>
+            </a:pPr>
+            <a:r>
+              <a:rPr lang="en-US" sz="2300" dirty="0" smtClean="0">
+                <a:solidFill>
+                  <a:schemeClr val="bg1"/>
+                </a:solidFill>
+              </a:rPr>
+              <a:t>Output compared with predefined threshold. </a:t>
+            </a:r>
+            <a:r>
+              <a:rPr lang="en-US" sz="2300" dirty="0" smtClean="0">
+                <a:solidFill>
+                  <a:schemeClr val="bg1"/>
+                </a:solidFill>
+              </a:rPr>
+              <a:t>If output greater than threshold then doctor is malicious.</a:t>
+            </a:r>
+          </a:p>
+          <a:p>
+            <a:pPr marL="285750" indent="-285750" algn="just">
+              <a:buFont typeface="Wingdings" panose="05000000000000000000" pitchFamily="2" charset="2"/>
+              <a:buChar char="Ø"/>
+            </a:pPr>
+            <a:r>
+              <a:rPr lang="en-US" sz="2300" dirty="0" smtClean="0">
+                <a:solidFill>
+                  <a:schemeClr val="bg1"/>
+                </a:solidFill>
+              </a:rPr>
+              <a:t>Access denied to malicious doctors.</a:t>
+            </a:r>
+            <a:endParaRPr lang="en-US" sz="2300" dirty="0" smtClean="0">
+              <a:solidFill>
+                <a:schemeClr val="bg1"/>
+              </a:solidFill>
+            </a:endParaRPr>
+          </a:p>
+          <a:p>
+            <a:pPr marL="285750" indent="-285750">
+              <a:buFont typeface="Wingdings" panose="05000000000000000000" pitchFamily="2" charset="2"/>
+              <a:buChar char="Ø"/>
+            </a:pPr>
+            <a:endParaRPr lang="en-US" dirty="0">
+              <a:solidFill>
+                <a:schemeClr val="bg1"/>
+              </a:solidFill>
+            </a:endParaRPr>
+          </a:p>
+        </p:txBody>
+      </p:sp>
       <p:pic>
         <p:nvPicPr>
-          <p:cNvPr id="4" name="Content Placeholder 3"/>
+          <p:cNvPr id="5" name="Picture 4"/>
           <p:cNvPicPr>
-            <a:picLocks noGrp="1" noChangeAspect="1"/>
+            <a:picLocks noChangeAspect="1"/>
           </p:cNvPicPr>
-          <p:nvPr>
-            <p:ph idx="1"/>
-          </p:nvPr>
+          <p:nvPr/>
         </p:nvPicPr>
         <p:blipFill>
-          <a:blip r:embed="rId2" cstate="print">
+          <a:blip r:embed="rId2">
             <a:extLst>
               <a:ext uri="{28A0092B-C50C-407E-A947-70E740481C1C}">
                 <a14:useLocalDpi xmlns:a14="http://schemas.microsoft.com/office/drawing/2010/main" val="0"/>
@@ -7368,142 +7557,30 @@
         </p:blipFill>
         <p:spPr>
           <a:xfrm>
-            <a:off x="822959" y="266700"/>
-            <a:ext cx="4107357" cy="6387930"/>
-          </a:xfrm>
-        </p:spPr>
-      </p:pic>
-      <p:sp>
-        <p:nvSpPr>
-          <p:cNvPr id="6" name="TextBox 5"/>
-          <p:cNvSpPr txBox="1"/>
-          <p:nvPr/>
-        </p:nvSpPr>
-        <p:spPr>
-          <a:xfrm>
-            <a:off x="5743574" y="1323975"/>
-            <a:ext cx="5953126" cy="4970591"/>
+            <a:off x="684212" y="0"/>
+            <a:ext cx="4409607" cy="6858000"/>
           </a:xfrm>
           <a:prstGeom prst="rect">
             <a:avLst/>
           </a:prstGeom>
-          <a:noFill/>
         </p:spPr>
-        <p:txBody>
-          <a:bodyPr wrap="square" rtlCol="0">
-            <a:spAutoFit/>
-          </a:bodyPr>
+      </p:pic>
+      <p:sp>
+        <p:nvSpPr>
+          <p:cNvPr id="7" name="Content Placeholder 6"/>
+          <p:cNvSpPr>
+            <a:spLocks noGrp="1"/>
+          </p:cNvSpPr>
+          <p:nvPr>
+            <p:ph idx="1"/>
+          </p:nvPr>
+        </p:nvSpPr>
+        <p:spPr/>
+        <p:txBody>
+          <a:bodyPr/>
           <a:lstStyle/>
           <a:p>
-            <a:pPr marL="285750" indent="-285750" algn="just">
-              <a:buFont typeface="Wingdings" panose="05000000000000000000" pitchFamily="2" charset="2"/>
-              <a:buChar char="Ø"/>
-            </a:pPr>
-            <a:r>
-              <a:rPr lang="en-US" sz="2300" dirty="0" smtClean="0">
-                <a:solidFill>
-                  <a:schemeClr val="bg1"/>
-                </a:solidFill>
-              </a:rPr>
-              <a:t>Doctor requests data.</a:t>
-            </a:r>
-          </a:p>
-          <a:p>
-            <a:pPr marL="285750" indent="-285750" algn="just">
-              <a:buFont typeface="Wingdings" panose="05000000000000000000" pitchFamily="2" charset="2"/>
-              <a:buChar char="Ø"/>
-            </a:pPr>
-            <a:r>
-              <a:rPr lang="en-US" sz="2300" dirty="0" smtClean="0">
-                <a:solidFill>
-                  <a:schemeClr val="bg1"/>
-                </a:solidFill>
-              </a:rPr>
-              <a:t>Parameters captured and combined to form input to a neural network.</a:t>
-            </a:r>
-          </a:p>
-          <a:p>
-            <a:pPr marL="285750" indent="-285750" algn="just">
-              <a:buFont typeface="Wingdings" panose="05000000000000000000" pitchFamily="2" charset="2"/>
-              <a:buChar char="Ø"/>
-            </a:pPr>
-            <a:r>
-              <a:rPr lang="en-US" sz="2300" dirty="0" smtClean="0">
-                <a:solidFill>
-                  <a:schemeClr val="bg1"/>
-                </a:solidFill>
-              </a:rPr>
-              <a:t>For training phase a Knowledge base determines desired output and initial neural weights.</a:t>
-            </a:r>
-          </a:p>
-          <a:p>
-            <a:pPr marL="285750" indent="-285750" algn="just">
-              <a:buFont typeface="Wingdings" panose="05000000000000000000" pitchFamily="2" charset="2"/>
-              <a:buChar char="Ø"/>
-            </a:pPr>
-            <a:r>
-              <a:rPr lang="en-US" sz="2300" dirty="0" smtClean="0">
-                <a:solidFill>
-                  <a:schemeClr val="bg1"/>
-                </a:solidFill>
-              </a:rPr>
-              <a:t>Trained using error back </a:t>
-            </a:r>
-            <a:r>
-              <a:rPr lang="en-US" sz="2300" dirty="0" err="1" smtClean="0">
-                <a:solidFill>
-                  <a:schemeClr val="bg1"/>
-                </a:solidFill>
-              </a:rPr>
-              <a:t>propogation</a:t>
-            </a:r>
-            <a:r>
-              <a:rPr lang="en-US" sz="2300" dirty="0" smtClean="0">
-                <a:solidFill>
-                  <a:schemeClr val="bg1"/>
-                </a:solidFill>
-              </a:rPr>
-              <a:t> technique.</a:t>
-            </a:r>
-          </a:p>
-          <a:p>
-            <a:pPr marL="285750" indent="-285750" algn="just">
-              <a:buFont typeface="Wingdings" panose="05000000000000000000" pitchFamily="2" charset="2"/>
-              <a:buChar char="Ø"/>
-            </a:pPr>
-            <a:r>
-              <a:rPr lang="en-US" sz="2300" dirty="0" smtClean="0">
-                <a:solidFill>
-                  <a:schemeClr val="bg1"/>
-                </a:solidFill>
-              </a:rPr>
-              <a:t>After training phase - actual output of the data is calculated.</a:t>
-            </a:r>
-          </a:p>
-          <a:p>
-            <a:pPr marL="285750" indent="-285750" algn="just">
-              <a:buFont typeface="Wingdings" panose="05000000000000000000" pitchFamily="2" charset="2"/>
-              <a:buChar char="Ø"/>
-            </a:pPr>
-            <a:r>
-              <a:rPr lang="en-US" sz="2300" dirty="0" smtClean="0">
-                <a:solidFill>
-                  <a:schemeClr val="bg1"/>
-                </a:solidFill>
-              </a:rPr>
-              <a:t>Output compared with predefined threshold. Access denied to malicious doctors </a:t>
-            </a:r>
-          </a:p>
-          <a:p>
-            <a:pPr marL="285750" indent="-285750">
-              <a:buFont typeface="Wingdings" panose="05000000000000000000" pitchFamily="2" charset="2"/>
-              <a:buChar char="Ø"/>
-            </a:pPr>
-            <a:endParaRPr lang="en-US" dirty="0">
-              <a:solidFill>
-                <a:schemeClr val="bg1"/>
-              </a:solidFill>
-            </a:endParaRPr>
+            <a:endParaRPr lang="en-US" dirty="0"/>
           </a:p>
         </p:txBody>
       </p:sp>
@@ -7541,41 +7618,14 @@
                             </p:stCondLst>
                             <p:childTnLst>
                               <p:par>
-                                <p:cTn id="5" presetID="1" presetClass="entr" presetSubtype="0" fill="hold" nodeType="afterEffect">
-                                  <p:stCondLst>
-                                    <p:cond delay="250"/>
-                                  </p:stCondLst>
-                                  <p:childTnLst>
-                                    <p:set>
-                                      <p:cBhvr>
-                                        <p:cTn id="6" dur="1" fill="hold">
-                                          <p:stCondLst>
-                                            <p:cond delay="499"/>
-                                          </p:stCondLst>
-                                        </p:cTn>
-                                        <p:tgtEl>
-                                          <p:spTgt spid="4"/>
-                                        </p:tgtEl>
-                                        <p:attrNameLst>
-                                          <p:attrName>style.visibility</p:attrName>
-                                        </p:attrNameLst>
-                                      </p:cBhvr>
-                                      <p:to>
-                                        <p:strVal val="visible"/>
-                                      </p:to>
-                                    </p:set>
-                                  </p:childTnLst>
-                                </p:cTn>
-                              </p:par>
-                              <p:par>
-                                <p:cTn id="7" presetID="2" presetClass="entr" presetSubtype="2" fill="hold" grpId="0" nodeType="withEffect">
+                                <p:cTn id="5" presetID="2" presetClass="entr" presetSubtype="2" fill="hold" grpId="0" nodeType="withEffect">
                                   <p:stCondLst>
                                     <p:cond delay="0"/>
                                   </p:stCondLst>
                                   <p:childTnLst>
                                     <p:set>
                                       <p:cBhvr>
-                                        <p:cTn id="8" dur="1" fill="hold">
+                                        <p:cTn id="6" dur="1" fill="hold">
                                           <p:stCondLst>
                                             <p:cond delay="0"/>
                                           </p:stCondLst>
@@ -7593,7 +7643,7 @@
                                     </p:set>
                                     <p:anim calcmode="lin" valueType="num">
                                       <p:cBhvr additive="base">
-                                        <p:cTn id="9" dur="500" fill="hold"/>
+                                        <p:cTn id="7" dur="500" fill="hold"/>
                                         <p:tgtEl>
                                           <p:spTgt spid="2"/>
                                         </p:tgtEl>
@@ -7616,7 +7666,7 @@
                                     </p:anim>
                                     <p:anim calcmode="lin" valueType="num">
                                       <p:cBhvr additive="base">
-                                        <p:cTn id="10" dur="500" fill="hold"/>
+                                        <p:cTn id="8" dur="500" fill="hold"/>
                                         <p:tgtEl>
                                           <p:spTgt spid="2"/>
                                         </p:tgtEl>
@@ -7640,13 +7690,40 @@
                                   </p:childTnLst>
                                 </p:cTn>
                               </p:par>
+                              <p:par>
+                                <p:cTn id="9" presetID="1" presetClass="entr" presetSubtype="0" fill="hold" nodeType="withEffect">
+                                  <p:stCondLst>
+                                    <p:cond delay="0"/>
+                                  </p:stCondLst>
+                                  <p:childTnLst>
+                                    <p:set>
+                                      <p:cBhvr>
+                                        <p:cTn id="10" dur="1" fill="hold">
+                                          <p:stCondLst>
+                                            <p:cond delay="0"/>
+                                          </p:stCondLst>
+                                        </p:cTn>
+                                        <p:tgtEl>
+                                          <p:spTgt spid="5"/>
+                                        </p:tgtEl>
+                                        <p:attrNameLst>
+                                          <p:attrName>style.visibility</p:attrName>
+                                        </p:attrNameLst>
+                                      </p:cBhvr>
+                                      <p:to>
+                                        <p:strVal val="visible"/>
+                                      </p:to>
+                                    </p:set>
+                                  </p:childTnLst>
+                                </p:cTn>
+                              </p:par>
                             </p:childTnLst>
                           </p:cTn>
                         </p:par>
                         <p:par>
                           <p:cTn id="11" fill="hold">
                             <p:stCondLst>
-                              <p:cond delay="750"/>
+                              <p:cond delay="500"/>
                             </p:stCondLst>
                             <p:childTnLst>
                               <p:par>
@@ -7828,7 +7905,7 @@
         <p:spPr>
           <a:xfrm>
             <a:off x="684212" y="1785258"/>
-            <a:ext cx="10767559" cy="4893647"/>
+            <a:ext cx="10767559" cy="3785652"/>
           </a:xfrm>
           <a:prstGeom prst="rect">
             <a:avLst/>
@@ -7872,23 +7949,6 @@
                 </a:solidFill>
               </a:rPr>
               <a:t>Previous access history of a doctor taken into account.</a:t>
-            </a:r>
-          </a:p>
-          <a:p>
-            <a:pPr marL="285750" indent="-285750" algn="just">
-              <a:lnSpc>
-                <a:spcPct val="150000"/>
-              </a:lnSpc>
-              <a:buFont typeface="Wingdings" panose="05000000000000000000" pitchFamily="2" charset="2"/>
-              <a:buChar char="Ø"/>
-            </a:pPr>
-            <a:r>
-              <a:rPr lang="en-US" sz="2400" dirty="0" smtClean="0">
-                <a:solidFill>
-                  <a:schemeClr val="bg1"/>
-                </a:solidFill>
-              </a:rPr>
-              <a:t>Intricate rule base that determines the initial weights of the neural network and its desired output based on 5 different input parameters.</a:t>
             </a:r>
           </a:p>
           <a:p>
@@ -8531,6 +8591,434 @@
 </file>
 
 <file path=ppt/slides/slide8.xml><?xml version="1.0" encoding="utf-8"?>
+<p:sld xmlns:a="http://schemas.openxmlformats.org/drawingml/2006/main" xmlns:r="http://schemas.openxmlformats.org/officeDocument/2006/relationships" xmlns:p="http://schemas.openxmlformats.org/presentationml/2006/main">
+  <p:cSld>
+    <p:spTree>
+      <p:nvGrpSpPr>
+        <p:cNvPr id="1" name=""/>
+        <p:cNvGrpSpPr/>
+        <p:nvPr/>
+      </p:nvGrpSpPr>
+      <p:grpSpPr>
+        <a:xfrm>
+          <a:off x="0" y="0"/>
+          <a:ext cx="0" cy="0"/>
+          <a:chOff x="0" y="0"/>
+          <a:chExt cx="0" cy="0"/>
+        </a:xfrm>
+      </p:grpSpPr>
+      <p:sp>
+        <p:nvSpPr>
+          <p:cNvPr id="2" name="Title 1"/>
+          <p:cNvSpPr>
+            <a:spLocks noGrp="1"/>
+          </p:cNvSpPr>
+          <p:nvPr>
+            <p:ph type="title"/>
+          </p:nvPr>
+        </p:nvSpPr>
+        <p:spPr>
+          <a:xfrm>
+            <a:off x="694944" y="109729"/>
+            <a:ext cx="10689335" cy="877824"/>
+          </a:xfrm>
+        </p:spPr>
+        <p:txBody>
+          <a:bodyPr>
+            <a:normAutofit/>
+          </a:bodyPr>
+          <a:lstStyle/>
+          <a:p>
+            <a:pPr algn="ctr"/>
+            <a:r>
+              <a:rPr lang="en-US" sz="4000" b="1" dirty="0" smtClean="0">
+                <a:solidFill>
+                  <a:schemeClr val="bg1"/>
+                </a:solidFill>
+              </a:rPr>
+              <a:t>CONCLUSION</a:t>
+            </a:r>
+            <a:endParaRPr lang="en-US" sz="4000" b="1" dirty="0">
+              <a:solidFill>
+                <a:schemeClr val="bg1"/>
+              </a:solidFill>
+            </a:endParaRPr>
+          </a:p>
+        </p:txBody>
+      </p:sp>
+      <p:sp>
+        <p:nvSpPr>
+          <p:cNvPr id="4" name="TextBox 3"/>
+          <p:cNvSpPr txBox="1"/>
+          <p:nvPr/>
+        </p:nvSpPr>
+        <p:spPr>
+          <a:xfrm>
+            <a:off x="694945" y="1207009"/>
+            <a:ext cx="10689335" cy="555921"/>
+          </a:xfrm>
+          <a:prstGeom prst="rect">
+            <a:avLst/>
+          </a:prstGeom>
+          <a:noFill/>
+        </p:spPr>
+        <p:txBody>
+          <a:bodyPr wrap="square" rtlCol="0">
+            <a:spAutoFit/>
+          </a:bodyPr>
+          <a:lstStyle/>
+          <a:p>
+            <a:pPr marL="342900" indent="-342900">
+              <a:lnSpc>
+                <a:spcPct val="150000"/>
+              </a:lnSpc>
+              <a:buFont typeface="Wingdings" panose="05000000000000000000" pitchFamily="2" charset="2"/>
+              <a:buChar char="Ø"/>
+            </a:pPr>
+            <a:endParaRPr lang="en-US" sz="2300" dirty="0">
+              <a:solidFill>
+                <a:schemeClr val="bg1"/>
+              </a:solidFill>
+            </a:endParaRPr>
+          </a:p>
+        </p:txBody>
+      </p:sp>
+      <p:sp>
+        <p:nvSpPr>
+          <p:cNvPr id="5" name="TextBox 4"/>
+          <p:cNvSpPr txBox="1"/>
+          <p:nvPr/>
+        </p:nvSpPr>
+        <p:spPr>
+          <a:xfrm>
+            <a:off x="694945" y="987554"/>
+            <a:ext cx="10689336" cy="5401479"/>
+          </a:xfrm>
+          <a:prstGeom prst="rect">
+            <a:avLst/>
+          </a:prstGeom>
+          <a:noFill/>
+        </p:spPr>
+        <p:txBody>
+          <a:bodyPr wrap="square" rtlCol="0">
+            <a:spAutoFit/>
+          </a:bodyPr>
+          <a:lstStyle/>
+          <a:p>
+            <a:pPr marL="342900" indent="-342900" algn="just">
+              <a:lnSpc>
+                <a:spcPct val="150000"/>
+              </a:lnSpc>
+              <a:buFont typeface="Wingdings" panose="05000000000000000000" pitchFamily="2" charset="2"/>
+              <a:buChar char="Ø"/>
+            </a:pPr>
+            <a:r>
+              <a:rPr lang="en-US" sz="2300" dirty="0" smtClean="0">
+                <a:solidFill>
+                  <a:schemeClr val="bg1"/>
+                </a:solidFill>
+              </a:rPr>
+              <a:t>We have successfully designed a system that checks the genuineness of a medical professional.</a:t>
+            </a:r>
+          </a:p>
+          <a:p>
+            <a:pPr marL="342900" indent="-342900" algn="just">
+              <a:lnSpc>
+                <a:spcPct val="150000"/>
+              </a:lnSpc>
+              <a:buFont typeface="Wingdings" panose="05000000000000000000" pitchFamily="2" charset="2"/>
+              <a:buChar char="Ø"/>
+            </a:pPr>
+            <a:r>
+              <a:rPr lang="en-US" sz="2300" dirty="0" smtClean="0">
+                <a:solidFill>
+                  <a:schemeClr val="bg1"/>
+                </a:solidFill>
+              </a:rPr>
+              <a:t>Data access is denied to a malicious doctor, thereby protecting critical patient data.</a:t>
+            </a:r>
+          </a:p>
+          <a:p>
+            <a:pPr marL="342900" indent="-342900" algn="just">
+              <a:lnSpc>
+                <a:spcPct val="150000"/>
+              </a:lnSpc>
+              <a:buFont typeface="Wingdings" panose="05000000000000000000" pitchFamily="2" charset="2"/>
+              <a:buChar char="Ø"/>
+            </a:pPr>
+            <a:r>
+              <a:rPr lang="en-US" sz="2300" dirty="0" smtClean="0">
+                <a:solidFill>
+                  <a:schemeClr val="bg1"/>
+                </a:solidFill>
+              </a:rPr>
+              <a:t>Knowledge base to find relevance of data accessed designed for 5 specializations.</a:t>
+            </a:r>
+          </a:p>
+          <a:p>
+            <a:pPr marL="342900" indent="-342900" algn="just">
+              <a:lnSpc>
+                <a:spcPct val="150000"/>
+              </a:lnSpc>
+              <a:buFont typeface="Wingdings" panose="05000000000000000000" pitchFamily="2" charset="2"/>
+              <a:buChar char="Ø"/>
+            </a:pPr>
+            <a:r>
+              <a:rPr lang="en-US" sz="2300" dirty="0" smtClean="0">
+                <a:solidFill>
+                  <a:schemeClr val="bg1"/>
+                </a:solidFill>
+              </a:rPr>
+              <a:t>Creation of a data set and implementation of the project to be done next semester. </a:t>
+            </a:r>
+          </a:p>
+          <a:p>
+            <a:pPr marL="342900" indent="-342900" algn="just">
+              <a:lnSpc>
+                <a:spcPct val="150000"/>
+              </a:lnSpc>
+              <a:buFont typeface="Wingdings" panose="05000000000000000000" pitchFamily="2" charset="2"/>
+              <a:buChar char="Ø"/>
+            </a:pPr>
+            <a:r>
+              <a:rPr lang="en-US" sz="2300" dirty="0" smtClean="0">
+                <a:solidFill>
+                  <a:schemeClr val="bg1"/>
+                </a:solidFill>
+              </a:rPr>
+              <a:t>Future scope could be to expand the base for additional specializations. </a:t>
+            </a:r>
+            <a:endParaRPr lang="en-US" sz="2300" dirty="0">
+              <a:solidFill>
+                <a:schemeClr val="bg1"/>
+              </a:solidFill>
+            </a:endParaRPr>
+          </a:p>
+        </p:txBody>
+      </p:sp>
+    </p:spTree>
+    <p:extLst>
+      <p:ext uri="{BB962C8B-B14F-4D97-AF65-F5344CB8AC3E}">
+        <p14:creationId xmlns:p14="http://schemas.microsoft.com/office/powerpoint/2010/main" val="756840937"/>
+      </p:ext>
+    </p:extLst>
+  </p:cSld>
+  <p:clrMapOvr>
+    <a:masterClrMapping/>
+  </p:clrMapOvr>
+  <p:timing>
+    <p:tnLst>
+      <p:par>
+        <p:cTn id="1" dur="indefinite" restart="never" nodeType="tmRoot">
+          <p:childTnLst>
+            <p:seq concurrent="1" nextAc="seek">
+              <p:cTn id="2" dur="indefinite" nodeType="mainSeq">
+                <p:childTnLst>
+                  <p:par>
+                    <p:cTn id="3" fill="hold">
+                      <p:stCondLst>
+                        <p:cond delay="indefinite"/>
+                        <p:cond evt="onBegin" delay="0">
+                          <p:tn val="2"/>
+                        </p:cond>
+                      </p:stCondLst>
+                      <p:childTnLst>
+                        <p:par>
+                          <p:cTn id="4" fill="hold">
+                            <p:stCondLst>
+                              <p:cond delay="0"/>
+                            </p:stCondLst>
+                            <p:childTnLst>
+                              <p:par>
+                                <p:cTn id="5" presetID="2" presetClass="entr" presetSubtype="4" fill="hold" grpId="0" nodeType="withEffect">
+                                  <p:stCondLst>
+                                    <p:cond delay="0"/>
+                                  </p:stCondLst>
+                                  <p:childTnLst>
+                                    <p:set>
+                                      <p:cBhvr>
+                                        <p:cTn id="6" dur="1" fill="hold">
+                                          <p:stCondLst>
+                                            <p:cond delay="0"/>
+                                          </p:stCondLst>
+                                        </p:cTn>
+                                        <p:tgtEl>
+                                          <p:spTgt spid="2"/>
+                                        </p:tgtEl>
+                                        <p:attrNameLst>
+                                          <p:attrName>style.visibility</p:attrName>
+                                        </p:attrNameLst>
+                                      </p:cBhvr>
+                                      <p:to>
+                                        <p:strVal val="visible"/>
+                                      </p:to>
+                                    </p:set>
+                                    <p:anim calcmode="lin" valueType="num">
+                                      <p:cBhvr additive="base">
+                                        <p:cTn id="7" dur="500" fill="hold"/>
+                                        <p:tgtEl>
+                                          <p:spTgt spid="2"/>
+                                        </p:tgtEl>
+                                        <p:attrNameLst>
+                                          <p:attrName>ppt_x</p:attrName>
+                                        </p:attrNameLst>
+                                      </p:cBhvr>
+                                      <p:tavLst>
+                                        <p:tav tm="0">
+                                          <p:val>
+                                            <p:strVal val="#ppt_x"/>
+                                          </p:val>
+                                        </p:tav>
+                                        <p:tav tm="100000">
+                                          <p:val>
+                                            <p:strVal val="#ppt_x"/>
+                                          </p:val>
+                                        </p:tav>
+                                      </p:tavLst>
+                                    </p:anim>
+                                    <p:anim calcmode="lin" valueType="num">
+                                      <p:cBhvr additive="base">
+                                        <p:cTn id="8" dur="500" fill="hold"/>
+                                        <p:tgtEl>
+                                          <p:spTgt spid="2"/>
+                                        </p:tgtEl>
+                                        <p:attrNameLst>
+                                          <p:attrName>ppt_y</p:attrName>
+                                        </p:attrNameLst>
+                                      </p:cBhvr>
+                                      <p:tavLst>
+                                        <p:tav tm="0">
+                                          <p:val>
+                                            <p:strVal val="1+#ppt_h/2"/>
+                                          </p:val>
+                                        </p:tav>
+                                        <p:tav tm="100000">
+                                          <p:val>
+                                            <p:strVal val="#ppt_y"/>
+                                          </p:val>
+                                        </p:tav>
+                                      </p:tavLst>
+                                    </p:anim>
+                                  </p:childTnLst>
+                                </p:cTn>
+                              </p:par>
+                              <p:par>
+                                <p:cTn id="9" presetID="42" presetClass="entr" presetSubtype="0" fill="hold" grpId="0" nodeType="withEffect">
+                                  <p:stCondLst>
+                                    <p:cond delay="0"/>
+                                  </p:stCondLst>
+                                  <p:childTnLst>
+                                    <p:set>
+                                      <p:cBhvr>
+                                        <p:cTn id="10" dur="1" fill="hold">
+                                          <p:stCondLst>
+                                            <p:cond delay="0"/>
+                                          </p:stCondLst>
+                                        </p:cTn>
+                                        <p:tgtEl>
+                                          <p:spTgt spid="5"/>
+                                        </p:tgtEl>
+                                        <p:attrNameLst>
+                                          <p:attrName>style.visibility</p:attrName>
+                                        </p:attrNameLst>
+                                      </p:cBhvr>
+                                      <p:to>
+                                        <p:strVal val="visible"/>
+                                      </p:to>
+                                    </p:set>
+                                    <p:animEffect transition="in" filter="fade">
+                                      <p:cBhvr>
+                                        <p:cTn id="11" dur="1000"/>
+                                        <p:tgtEl>
+                                          <p:spTgt spid="5"/>
+                                        </p:tgtEl>
+                                      </p:cBhvr>
+                                    </p:animEffect>
+                                    <p:anim calcmode="lin" valueType="num">
+                                      <p:cBhvr>
+                                        <p:cTn id="12" dur="1000" fill="hold"/>
+                                        <p:tgtEl>
+                                          <p:spTgt spid="5"/>
+                                        </p:tgtEl>
+                                        <p:attrNameLst>
+                                          <p:attrName>ppt_x</p:attrName>
+                                        </p:attrNameLst>
+                                      </p:cBhvr>
+                                      <p:tavLst>
+                                        <p:tav tm="0">
+                                          <p:val>
+                                            <p:strVal val="#ppt_x"/>
+                                          </p:val>
+                                        </p:tav>
+                                        <p:tav tm="100000">
+                                          <p:val>
+                                            <p:strVal val="#ppt_x"/>
+                                          </p:val>
+                                        </p:tav>
+                                      </p:tavLst>
+                                    </p:anim>
+                                    <p:anim calcmode="lin" valueType="num">
+                                      <p:cBhvr>
+                                        <p:cTn id="13" dur="1000" fill="hold"/>
+                                        <p:tgtEl>
+                                          <p:spTgt spid="5"/>
+                                        </p:tgtEl>
+                                        <p:attrNameLst>
+                                          <p:attrName>ppt_y</p:attrName>
+                                        </p:attrNameLst>
+                                      </p:cBhvr>
+                                      <p:tavLst>
+                                        <p:tav tm="0">
+                                          <p:val>
+                                            <p:strVal val="#ppt_y+.1"/>
+                                          </p:val>
+                                        </p:tav>
+                                        <p:tav tm="100000">
+                                          <p:val>
+                                            <p:strVal val="#ppt_y"/>
+                                          </p:val>
+                                        </p:tav>
+                                      </p:tavLst>
+                                    </p:anim>
+                                  </p:childTnLst>
+                                </p:cTn>
+                              </p:par>
+                            </p:childTnLst>
+                          </p:cTn>
+                        </p:par>
+                      </p:childTnLst>
+                    </p:cTn>
+                  </p:par>
+                </p:childTnLst>
+              </p:cTn>
+              <p:prevCondLst>
+                <p:cond evt="onPrev" delay="0">
+                  <p:tgtEl>
+                    <p:sldTgt/>
+                  </p:tgtEl>
+                </p:cond>
+              </p:prevCondLst>
+              <p:nextCondLst>
+                <p:cond evt="onNext" delay="0">
+                  <p:tgtEl>
+                    <p:sldTgt/>
+                  </p:tgtEl>
+                </p:cond>
+              </p:nextCondLst>
+            </p:seq>
+          </p:childTnLst>
+        </p:cTn>
+      </p:par>
+    </p:tnLst>
+    <p:bldLst>
+      <p:bldP spid="2" grpId="0"/>
+      <p:bldP spid="5" grpId="0"/>
+    </p:bldLst>
+  </p:timing>
+</p:sld>
+</file>
+
+<file path=ppt/slides/slide9.xml><?xml version="1.0" encoding="utf-8"?>
 <p:sld xmlns:a="http://schemas.openxmlformats.org/drawingml/2006/main" xmlns:r="http://schemas.openxmlformats.org/officeDocument/2006/relationships" xmlns:p="http://schemas.openxmlformats.org/presentationml/2006/main">
   <p:cSld>
     <p:spTree>

--- a/DETERMINATION OF GENUINENESS OF A MEDICAL PROFESSIONAL.pptx
+++ b/DETERMINATION OF GENUINENESS OF A MEDICAL PROFESSIONAL.pptx
@@ -9,8 +9,8 @@
     <p:sldId id="261" r:id="rId3"/>
     <p:sldId id="260" r:id="rId4"/>
     <p:sldId id="262" r:id="rId5"/>
-    <p:sldId id="257" r:id="rId6"/>
-    <p:sldId id="263" r:id="rId7"/>
+    <p:sldId id="263" r:id="rId6"/>
+    <p:sldId id="257" r:id="rId7"/>
     <p:sldId id="258" r:id="rId8"/>
     <p:sldId id="264" r:id="rId9"/>
     <p:sldId id="259" r:id="rId10"/>
@@ -311,7 +311,7 @@
           <a:p>
             <a:fld id="{7C703E5D-9E7D-44C0-B421-F0C57F5B2554}" type="datetimeFigureOut">
               <a:rPr lang="en-US" smtClean="0"/>
-              <a:t>29-Oct-17</a:t>
+              <a:t>30-Oct-17</a:t>
             </a:fld>
             <a:endParaRPr lang="en-US"/>
           </a:p>
@@ -747,7 +747,7 @@
           <a:p>
             <a:fld id="{7C703E5D-9E7D-44C0-B421-F0C57F5B2554}" type="datetimeFigureOut">
               <a:rPr lang="en-US" smtClean="0"/>
-              <a:t>29-Oct-17</a:t>
+              <a:t>30-Oct-17</a:t>
             </a:fld>
             <a:endParaRPr lang="en-US"/>
           </a:p>
@@ -997,7 +997,7 @@
           <a:p>
             <a:fld id="{7C703E5D-9E7D-44C0-B421-F0C57F5B2554}" type="datetimeFigureOut">
               <a:rPr lang="en-US" smtClean="0"/>
-              <a:t>29-Oct-17</a:t>
+              <a:t>30-Oct-17</a:t>
             </a:fld>
             <a:endParaRPr lang="en-US"/>
           </a:p>
@@ -1305,7 +1305,7 @@
           <a:p>
             <a:fld id="{7C703E5D-9E7D-44C0-B421-F0C57F5B2554}" type="datetimeFigureOut">
               <a:rPr lang="en-US" smtClean="0"/>
-              <a:t>29-Oct-17</a:t>
+              <a:t>30-Oct-17</a:t>
             </a:fld>
             <a:endParaRPr lang="en-US"/>
           </a:p>
@@ -1623,7 +1623,7 @@
           <a:p>
             <a:fld id="{7C703E5D-9E7D-44C0-B421-F0C57F5B2554}" type="datetimeFigureOut">
               <a:rPr lang="en-US" smtClean="0"/>
-              <a:t>29-Oct-17</a:t>
+              <a:t>30-Oct-17</a:t>
             </a:fld>
             <a:endParaRPr lang="en-US"/>
           </a:p>
@@ -1925,7 +1925,7 @@
           <a:p>
             <a:fld id="{7C703E5D-9E7D-44C0-B421-F0C57F5B2554}" type="datetimeFigureOut">
               <a:rPr lang="en-US" smtClean="0"/>
-              <a:t>29-Oct-17</a:t>
+              <a:t>30-Oct-17</a:t>
             </a:fld>
             <a:endParaRPr lang="en-US"/>
           </a:p>
@@ -2292,7 +2292,7 @@
           <a:p>
             <a:fld id="{7C703E5D-9E7D-44C0-B421-F0C57F5B2554}" type="datetimeFigureOut">
               <a:rPr lang="en-US" smtClean="0"/>
-              <a:t>29-Oct-17</a:t>
+              <a:t>30-Oct-17</a:t>
             </a:fld>
             <a:endParaRPr lang="en-US"/>
           </a:p>
@@ -2466,7 +2466,7 @@
           <a:p>
             <a:fld id="{7C703E5D-9E7D-44C0-B421-F0C57F5B2554}" type="datetimeFigureOut">
               <a:rPr lang="en-US" smtClean="0"/>
-              <a:t>29-Oct-17</a:t>
+              <a:t>30-Oct-17</a:t>
             </a:fld>
             <a:endParaRPr lang="en-US"/>
           </a:p>
@@ -2646,7 +2646,7 @@
           <a:p>
             <a:fld id="{7C703E5D-9E7D-44C0-B421-F0C57F5B2554}" type="datetimeFigureOut">
               <a:rPr lang="en-US" smtClean="0"/>
-              <a:t>29-Oct-17</a:t>
+              <a:t>30-Oct-17</a:t>
             </a:fld>
             <a:endParaRPr lang="en-US"/>
           </a:p>
@@ -2816,7 +2816,7 @@
           <a:p>
             <a:fld id="{7C703E5D-9E7D-44C0-B421-F0C57F5B2554}" type="datetimeFigureOut">
               <a:rPr lang="en-US" smtClean="0"/>
-              <a:t>29-Oct-17</a:t>
+              <a:t>30-Oct-17</a:t>
             </a:fld>
             <a:endParaRPr lang="en-US"/>
           </a:p>
@@ -3066,7 +3066,7 @@
           <a:p>
             <a:fld id="{7C703E5D-9E7D-44C0-B421-F0C57F5B2554}" type="datetimeFigureOut">
               <a:rPr lang="en-US" smtClean="0"/>
-              <a:t>29-Oct-17</a:t>
+              <a:t>30-Oct-17</a:t>
             </a:fld>
             <a:endParaRPr lang="en-US"/>
           </a:p>
@@ -3302,7 +3302,7 @@
           <a:p>
             <a:fld id="{7C703E5D-9E7D-44C0-B421-F0C57F5B2554}" type="datetimeFigureOut">
               <a:rPr lang="en-US" smtClean="0"/>
-              <a:t>29-Oct-17</a:t>
+              <a:t>30-Oct-17</a:t>
             </a:fld>
             <a:endParaRPr lang="en-US"/>
           </a:p>
@@ -3684,7 +3684,7 @@
           <a:p>
             <a:fld id="{7C703E5D-9E7D-44C0-B421-F0C57F5B2554}" type="datetimeFigureOut">
               <a:rPr lang="en-US" smtClean="0"/>
-              <a:t>29-Oct-17</a:t>
+              <a:t>30-Oct-17</a:t>
             </a:fld>
             <a:endParaRPr lang="en-US"/>
           </a:p>
@@ -3802,7 +3802,7 @@
           <a:p>
             <a:fld id="{7C703E5D-9E7D-44C0-B421-F0C57F5B2554}" type="datetimeFigureOut">
               <a:rPr lang="en-US" smtClean="0"/>
-              <a:t>29-Oct-17</a:t>
+              <a:t>30-Oct-17</a:t>
             </a:fld>
             <a:endParaRPr lang="en-US"/>
           </a:p>
@@ -3897,7 +3897,7 @@
           <a:p>
             <a:fld id="{7C703E5D-9E7D-44C0-B421-F0C57F5B2554}" type="datetimeFigureOut">
               <a:rPr lang="en-US" smtClean="0"/>
-              <a:t>29-Oct-17</a:t>
+              <a:t>30-Oct-17</a:t>
             </a:fld>
             <a:endParaRPr lang="en-US"/>
           </a:p>
@@ -4152,7 +4152,7 @@
           <a:p>
             <a:fld id="{7C703E5D-9E7D-44C0-B421-F0C57F5B2554}" type="datetimeFigureOut">
               <a:rPr lang="en-US" smtClean="0"/>
-              <a:t>29-Oct-17</a:t>
+              <a:t>30-Oct-17</a:t>
             </a:fld>
             <a:endParaRPr lang="en-US"/>
           </a:p>
@@ -4435,7 +4435,7 @@
           <a:p>
             <a:fld id="{7C703E5D-9E7D-44C0-B421-F0C57F5B2554}" type="datetimeFigureOut">
               <a:rPr lang="en-US" smtClean="0"/>
-              <a:t>29-Oct-17</a:t>
+              <a:t>30-Oct-17</a:t>
             </a:fld>
             <a:endParaRPr lang="en-US"/>
           </a:p>
@@ -4841,7 +4841,7 @@
           <a:p>
             <a:fld id="{7C703E5D-9E7D-44C0-B421-F0C57F5B2554}" type="datetimeFigureOut">
               <a:rPr lang="en-US" smtClean="0"/>
-              <a:t>29-Oct-17</a:t>
+              <a:t>30-Oct-17</a:t>
             </a:fld>
             <a:endParaRPr lang="en-US"/>
           </a:p>
@@ -5941,12 +5941,20 @@
               <a:t>Existing </a:t>
             </a:r>
             <a:r>
+              <a:rPr lang="en-US" sz="2200" dirty="0" smtClean="0">
+                <a:solidFill>
+                  <a:schemeClr val="bg1"/>
+                </a:solidFill>
+              </a:rPr>
+              <a:t>solutions are </a:t>
+            </a:r>
+            <a:r>
               <a:rPr lang="en-US" sz="2200" dirty="0">
                 <a:solidFill>
                   <a:schemeClr val="bg1"/>
                 </a:solidFill>
               </a:rPr>
-              <a:t>solutions inadequate and inaccurate.</a:t>
+              <a:t>inadequate and inaccurate.</a:t>
             </a:r>
           </a:p>
           <a:p>
@@ -6932,15 +6940,7 @@
                   <a:schemeClr val="bg1"/>
                 </a:solidFill>
               </a:rPr>
-              <a:t>OUR </a:t>
-            </a:r>
-            <a:r>
-              <a:rPr lang="en-US" sz="4000" b="1" dirty="0" smtClean="0">
-                <a:solidFill>
-                  <a:schemeClr val="bg1"/>
-                </a:solidFill>
-              </a:rPr>
-              <a:t>SOLUTION</a:t>
+              <a:t>OUR SOLUTION</a:t>
             </a:r>
             <a:endParaRPr lang="en-US" sz="4000" b="1" dirty="0">
               <a:solidFill>
@@ -7026,15 +7026,7 @@
                   <a:schemeClr val="bg1"/>
                 </a:solidFill>
               </a:rPr>
-              <a:t>Use a Supervised </a:t>
-            </a:r>
-            <a:r>
-              <a:rPr lang="en-US" sz="2200" dirty="0" smtClean="0">
-                <a:solidFill>
-                  <a:schemeClr val="bg1"/>
-                </a:solidFill>
-              </a:rPr>
-              <a:t>Neural network.</a:t>
+              <a:t>Use a Supervised Neural network.</a:t>
             </a:r>
           </a:p>
           <a:p>
@@ -7051,15 +7043,7 @@
                   <a:schemeClr val="bg1"/>
                 </a:solidFill>
               </a:rPr>
-              <a:t>Takes 5 </a:t>
-            </a:r>
-            <a:r>
-              <a:rPr lang="en-US" sz="2200" dirty="0" smtClean="0">
-                <a:solidFill>
-                  <a:schemeClr val="bg1"/>
-                </a:solidFill>
-              </a:rPr>
-              <a:t>parameters as input.</a:t>
+              <a:t>Takes 5 parameters as input.</a:t>
             </a:r>
           </a:p>
           <a:p>
@@ -7349,6 +7333,448 @@
         </p:nvSpPr>
         <p:spPr>
           <a:xfrm>
+            <a:off x="684212" y="165463"/>
+            <a:ext cx="10839572" cy="1724297"/>
+          </a:xfrm>
+        </p:spPr>
+        <p:txBody>
+          <a:bodyPr/>
+          <a:lstStyle/>
+          <a:p>
+            <a:pPr algn="ctr"/>
+            <a:r>
+              <a:rPr lang="en-US" dirty="0" smtClean="0"/>
+              <a:t>	</a:t>
+            </a:r>
+            <a:r>
+              <a:rPr lang="en-US" sz="4000" b="1" dirty="0" smtClean="0">
+                <a:solidFill>
+                  <a:schemeClr val="bg1"/>
+                </a:solidFill>
+              </a:rPr>
+              <a:t>ADVANTAGES OF OUR MODEL</a:t>
+            </a:r>
+            <a:endParaRPr lang="en-US" dirty="0"/>
+          </a:p>
+        </p:txBody>
+      </p:sp>
+      <p:sp>
+        <p:nvSpPr>
+          <p:cNvPr id="4" name="TextBox 3"/>
+          <p:cNvSpPr txBox="1"/>
+          <p:nvPr/>
+        </p:nvSpPr>
+        <p:spPr>
+          <a:xfrm>
+            <a:off x="684212" y="1785258"/>
+            <a:ext cx="10767559" cy="3785652"/>
+          </a:xfrm>
+          <a:prstGeom prst="rect">
+            <a:avLst/>
+          </a:prstGeom>
+          <a:noFill/>
+        </p:spPr>
+        <p:txBody>
+          <a:bodyPr wrap="square" rtlCol="0">
+            <a:spAutoFit/>
+          </a:bodyPr>
+          <a:lstStyle/>
+          <a:p>
+            <a:pPr marL="285750" indent="-285750" algn="just">
+              <a:lnSpc>
+                <a:spcPct val="150000"/>
+              </a:lnSpc>
+              <a:buFont typeface="Wingdings" panose="05000000000000000000" pitchFamily="2" charset="2"/>
+              <a:buChar char="Ø"/>
+            </a:pPr>
+            <a:r>
+              <a:rPr lang="en-US" sz="2400" dirty="0" smtClean="0">
+                <a:solidFill>
+                  <a:schemeClr val="bg1"/>
+                </a:solidFill>
+              </a:rPr>
+              <a:t>Provisions for emergency/special cases are taken in the model.</a:t>
+            </a:r>
+          </a:p>
+          <a:p>
+            <a:pPr marL="285750" indent="-285750" algn="just">
+              <a:lnSpc>
+                <a:spcPct val="150000"/>
+              </a:lnSpc>
+              <a:buFont typeface="Wingdings" panose="05000000000000000000" pitchFamily="2" charset="2"/>
+              <a:buChar char="Ø"/>
+            </a:pPr>
+            <a:r>
+              <a:rPr lang="en-US" sz="2400" dirty="0" smtClean="0">
+                <a:solidFill>
+                  <a:schemeClr val="bg1"/>
+                </a:solidFill>
+              </a:rPr>
+              <a:t>Previous access history of a doctor taken into account.</a:t>
+            </a:r>
+          </a:p>
+          <a:p>
+            <a:pPr marL="285750" indent="-285750" algn="just">
+              <a:lnSpc>
+                <a:spcPct val="150000"/>
+              </a:lnSpc>
+              <a:buFont typeface="Wingdings" panose="05000000000000000000" pitchFamily="2" charset="2"/>
+              <a:buChar char="Ø"/>
+            </a:pPr>
+            <a:r>
+              <a:rPr lang="en-US" sz="2400" dirty="0" smtClean="0">
+                <a:solidFill>
+                  <a:schemeClr val="bg1"/>
+                </a:solidFill>
+              </a:rPr>
+              <a:t>High </a:t>
+            </a:r>
+            <a:r>
+              <a:rPr lang="en-US" sz="2400" dirty="0">
+                <a:solidFill>
+                  <a:schemeClr val="bg1"/>
+                </a:solidFill>
+              </a:rPr>
+              <a:t>accuracy as a large number of </a:t>
+            </a:r>
+            <a:r>
+              <a:rPr lang="en-US" sz="2400" dirty="0" smtClean="0">
+                <a:solidFill>
+                  <a:schemeClr val="bg1"/>
+                </a:solidFill>
+              </a:rPr>
+              <a:t>examples will be used for training via </a:t>
+            </a:r>
+            <a:r>
+              <a:rPr lang="en-US" sz="2400" dirty="0">
+                <a:solidFill>
+                  <a:schemeClr val="bg1"/>
+                </a:solidFill>
+              </a:rPr>
+              <a:t>error </a:t>
+            </a:r>
+            <a:r>
+              <a:rPr lang="en-US" sz="2400" dirty="0" err="1">
+                <a:solidFill>
+                  <a:schemeClr val="bg1"/>
+                </a:solidFill>
+              </a:rPr>
+              <a:t>backpropogation</a:t>
+            </a:r>
+            <a:r>
+              <a:rPr lang="en-US" sz="2400" dirty="0">
+                <a:solidFill>
+                  <a:schemeClr val="bg1"/>
+                </a:solidFill>
+              </a:rPr>
+              <a:t> </a:t>
+            </a:r>
+            <a:r>
+              <a:rPr lang="en-US" sz="2400" dirty="0" smtClean="0">
+                <a:solidFill>
+                  <a:schemeClr val="bg1"/>
+                </a:solidFill>
+              </a:rPr>
+              <a:t>technique. </a:t>
+            </a:r>
+          </a:p>
+          <a:p>
+            <a:pPr marL="285750" indent="-285750" algn="just">
+              <a:lnSpc>
+                <a:spcPct val="150000"/>
+              </a:lnSpc>
+              <a:buFont typeface="Wingdings" panose="05000000000000000000" pitchFamily="2" charset="2"/>
+              <a:buChar char="Ø"/>
+            </a:pPr>
+            <a:r>
+              <a:rPr lang="en-US" sz="2400" dirty="0" smtClean="0">
+                <a:solidFill>
+                  <a:schemeClr val="bg1"/>
+                </a:solidFill>
+              </a:rPr>
+              <a:t>Time efficient once training phase is completed.</a:t>
+            </a:r>
+            <a:endParaRPr lang="en-US" sz="2400" dirty="0">
+              <a:solidFill>
+                <a:schemeClr val="bg1"/>
+              </a:solidFill>
+            </a:endParaRPr>
+          </a:p>
+          <a:p>
+            <a:pPr marL="285750" indent="-285750" algn="just">
+              <a:lnSpc>
+                <a:spcPct val="150000"/>
+              </a:lnSpc>
+              <a:buFont typeface="Wingdings" panose="05000000000000000000" pitchFamily="2" charset="2"/>
+              <a:buChar char="Ø"/>
+            </a:pPr>
+            <a:endParaRPr lang="en-US" sz="2400" dirty="0" smtClean="0">
+              <a:solidFill>
+                <a:schemeClr val="bg1"/>
+              </a:solidFill>
+            </a:endParaRPr>
+          </a:p>
+          <a:p>
+            <a:pPr algn="just"/>
+            <a:endParaRPr lang="en-US" sz="2400" dirty="0">
+              <a:solidFill>
+                <a:schemeClr val="bg1"/>
+              </a:solidFill>
+            </a:endParaRPr>
+          </a:p>
+        </p:txBody>
+      </p:sp>
+    </p:spTree>
+    <p:extLst>
+      <p:ext uri="{BB962C8B-B14F-4D97-AF65-F5344CB8AC3E}">
+        <p14:creationId xmlns:p14="http://schemas.microsoft.com/office/powerpoint/2010/main" val="1549689421"/>
+      </p:ext>
+    </p:extLst>
+  </p:cSld>
+  <p:clrMapOvr>
+    <a:masterClrMapping/>
+  </p:clrMapOvr>
+  <p:timing>
+    <p:tnLst>
+      <p:par>
+        <p:cTn id="1" dur="indefinite" restart="never" nodeType="tmRoot">
+          <p:childTnLst>
+            <p:seq concurrent="1" nextAc="seek">
+              <p:cTn id="2" dur="indefinite" nodeType="mainSeq">
+                <p:childTnLst>
+                  <p:par>
+                    <p:cTn id="3" fill="hold">
+                      <p:stCondLst>
+                        <p:cond delay="indefinite"/>
+                        <p:cond evt="onBegin" delay="0">
+                          <p:tn val="2"/>
+                        </p:cond>
+                      </p:stCondLst>
+                      <p:childTnLst>
+                        <p:par>
+                          <p:cTn id="4" fill="hold">
+                            <p:stCondLst>
+                              <p:cond delay="0"/>
+                            </p:stCondLst>
+                            <p:childTnLst>
+                              <p:par>
+                                <p:cTn id="5" presetID="2" presetClass="entr" presetSubtype="4" fill="hold" grpId="0" nodeType="afterEffect">
+                                  <p:stCondLst>
+                                    <p:cond delay="0"/>
+                                  </p:stCondLst>
+                                  <p:childTnLst>
+                                    <p:set>
+                                      <p:cBhvr>
+                                        <p:cTn id="6" dur="1" fill="hold">
+                                          <p:stCondLst>
+                                            <p:cond delay="0"/>
+                                          </p:stCondLst>
+                                        </p:cTn>
+                                        <p:tgtEl>
+                                          <p:spTgt spid="2"/>
+                                        </p:tgtEl>
+                                        <p:attrNameLst>
+                                          <p:attrName>style.visibility</p:attrName>
+                                        </p:attrNameLst>
+                                      </p:cBhvr>
+                                      <p:to>
+                                        <p:strVal val="visible"/>
+                                      </p:to>
+                                    </p:set>
+                                    <p:anim calcmode="lin" valueType="num">
+                                      <p:cBhvr additive="base">
+                                        <p:cTn id="7" dur="500" fill="hold"/>
+                                        <p:tgtEl>
+                                          <p:spTgt spid="2"/>
+                                        </p:tgtEl>
+                                        <p:attrNameLst>
+                                          <p:attrName>ppt_x</p:attrName>
+                                        </p:attrNameLst>
+                                      </p:cBhvr>
+                                      <p:tavLst>
+                                        <p:tav tm="0">
+                                          <p:val>
+                                            <p:strVal val="#ppt_x"/>
+                                          </p:val>
+                                        </p:tav>
+                                        <p:tav tm="100000">
+                                          <p:val>
+                                            <p:strVal val="#ppt_x"/>
+                                          </p:val>
+                                        </p:tav>
+                                      </p:tavLst>
+                                    </p:anim>
+                                    <p:anim calcmode="lin" valueType="num">
+                                      <p:cBhvr additive="base">
+                                        <p:cTn id="8" dur="500" fill="hold"/>
+                                        <p:tgtEl>
+                                          <p:spTgt spid="2"/>
+                                        </p:tgtEl>
+                                        <p:attrNameLst>
+                                          <p:attrName>ppt_y</p:attrName>
+                                        </p:attrNameLst>
+                                      </p:cBhvr>
+                                      <p:tavLst>
+                                        <p:tav tm="0">
+                                          <p:val>
+                                            <p:strVal val="1+#ppt_h/2"/>
+                                          </p:val>
+                                        </p:tav>
+                                        <p:tav tm="100000">
+                                          <p:val>
+                                            <p:strVal val="#ppt_y"/>
+                                          </p:val>
+                                        </p:tav>
+                                      </p:tavLst>
+                                    </p:anim>
+                                  </p:childTnLst>
+                                </p:cTn>
+                              </p:par>
+                              <p:par>
+                                <p:cTn id="9" presetID="42" presetClass="entr" presetSubtype="0" fill="hold" grpId="0" nodeType="withEffect">
+                                  <p:stCondLst>
+                                    <p:cond delay="0"/>
+                                  </p:stCondLst>
+                                  <p:childTnLst>
+                                    <p:set>
+                                      <p:cBhvr>
+                                        <p:cTn id="10" dur="1" fill="hold">
+                                          <p:stCondLst>
+                                            <p:cond delay="0"/>
+                                          </p:stCondLst>
+                                        </p:cTn>
+                                        <p:tgtEl>
+                                          <p:spTgt spid="4"/>
+                                        </p:tgtEl>
+                                        <p:attrNameLst>
+                                          <p:attrName>style.visibility</p:attrName>
+                                        </p:attrNameLst>
+                                      </p:cBhvr>
+                                      <p:to>
+                                        <p:strVal val="visible"/>
+                                      </p:to>
+                                    </p:set>
+                                    <p:animEffect transition="in" filter="fade">
+                                      <p:cBhvr>
+                                        <p:cTn id="11" dur="1000"/>
+                                        <p:tgtEl>
+                                          <p:spTgt spid="4"/>
+                                        </p:tgtEl>
+                                      </p:cBhvr>
+                                    </p:animEffect>
+                                    <p:anim calcmode="lin" valueType="num">
+                                      <p:cBhvr>
+                                        <p:cTn id="12" dur="1000" fill="hold"/>
+                                        <p:tgtEl>
+                                          <p:spTgt spid="4"/>
+                                        </p:tgtEl>
+                                        <p:attrNameLst>
+                                          <p:attrName>ppt_x</p:attrName>
+                                        </p:attrNameLst>
+                                      </p:cBhvr>
+                                      <p:tavLst>
+                                        <p:tav tm="0">
+                                          <p:val>
+                                            <p:strVal val="#ppt_x"/>
+                                          </p:val>
+                                        </p:tav>
+                                        <p:tav tm="100000">
+                                          <p:val>
+                                            <p:strVal val="#ppt_x"/>
+                                          </p:val>
+                                        </p:tav>
+                                      </p:tavLst>
+                                    </p:anim>
+                                    <p:anim calcmode="lin" valueType="num">
+                                      <p:cBhvr>
+                                        <p:cTn id="13" dur="1000" fill="hold"/>
+                                        <p:tgtEl>
+                                          <p:spTgt spid="4"/>
+                                        </p:tgtEl>
+                                        <p:attrNameLst>
+                                          <p:attrName>ppt_y</p:attrName>
+                                        </p:attrNameLst>
+                                      </p:cBhvr>
+                                      <p:tavLst>
+                                        <p:tav tm="0">
+                                          <p:val>
+                                            <p:strVal val="#ppt_y+.1"/>
+                                          </p:val>
+                                        </p:tav>
+                                        <p:tav tm="100000">
+                                          <p:val>
+                                            <p:strVal val="#ppt_y"/>
+                                          </p:val>
+                                        </p:tav>
+                                      </p:tavLst>
+                                    </p:anim>
+                                  </p:childTnLst>
+                                </p:cTn>
+                              </p:par>
+                            </p:childTnLst>
+                          </p:cTn>
+                        </p:par>
+                      </p:childTnLst>
+                    </p:cTn>
+                  </p:par>
+                </p:childTnLst>
+              </p:cTn>
+              <p:prevCondLst>
+                <p:cond evt="onPrev" delay="0">
+                  <p:tgtEl>
+                    <p:sldTgt/>
+                  </p:tgtEl>
+                </p:cond>
+              </p:prevCondLst>
+              <p:nextCondLst>
+                <p:cond evt="onNext" delay="0">
+                  <p:tgtEl>
+                    <p:sldTgt/>
+                  </p:tgtEl>
+                </p:cond>
+              </p:nextCondLst>
+            </p:seq>
+          </p:childTnLst>
+        </p:cTn>
+      </p:par>
+    </p:tnLst>
+    <p:bldLst>
+      <p:bldP spid="2" grpId="0"/>
+      <p:bldP spid="4" grpId="0"/>
+    </p:bldLst>
+  </p:timing>
+</p:sld>
+</file>
+
+<file path=ppt/slides/slide6.xml><?xml version="1.0" encoding="utf-8"?>
+<p:sld xmlns:a="http://schemas.openxmlformats.org/drawingml/2006/main" xmlns:r="http://schemas.openxmlformats.org/officeDocument/2006/relationships" xmlns:p="http://schemas.openxmlformats.org/presentationml/2006/main">
+  <p:cSld>
+    <p:spTree>
+      <p:nvGrpSpPr>
+        <p:cNvPr id="1" name=""/>
+        <p:cNvGrpSpPr/>
+        <p:nvPr/>
+      </p:nvGrpSpPr>
+      <p:grpSpPr>
+        <a:xfrm>
+          <a:off x="0" y="0"/>
+          <a:ext cx="0" cy="0"/>
+          <a:chOff x="0" y="0"/>
+          <a:chExt cx="0" cy="0"/>
+        </a:xfrm>
+      </p:grpSpPr>
+      <p:sp>
+        <p:nvSpPr>
+          <p:cNvPr id="2" name="Title 1"/>
+          <p:cNvSpPr>
+            <a:spLocks noGrp="1"/>
+          </p:cNvSpPr>
+          <p:nvPr>
+            <p:ph type="title"/>
+          </p:nvPr>
+        </p:nvSpPr>
+        <p:spPr>
+          <a:xfrm>
             <a:off x="5974080" y="0"/>
             <a:ext cx="5347063" cy="896983"/>
           </a:xfrm>
@@ -7492,15 +7918,7 @@
                   <a:schemeClr val="bg1"/>
                 </a:solidFill>
               </a:rPr>
-              <a:t>Output compared with predefined threshold. </a:t>
-            </a:r>
-            <a:r>
-              <a:rPr lang="en-US" sz="2300" dirty="0" smtClean="0">
-                <a:solidFill>
-                  <a:schemeClr val="bg1"/>
-                </a:solidFill>
-              </a:rPr>
-              <a:t>If output greater than threshold then doctor is malicious.</a:t>
+              <a:t>Output compared with predefined threshold. If output greater than threshold then doctor is malicious.</a:t>
             </a:r>
           </a:p>
           <a:p>
@@ -7516,11 +7934,6 @@
               </a:rPr>
               <a:t>Access denied to malicious doctors.</a:t>
             </a:r>
-            <a:endParaRPr lang="en-US" sz="2300" dirty="0" smtClean="0">
-              <a:solidFill>
-                <a:schemeClr val="bg1"/>
-              </a:solidFill>
-            </a:endParaRPr>
           </a:p>
           <a:p>
             <a:pPr marL="285750" indent="-285750">
@@ -7842,448 +8255,6 @@
 </p:sld>
 </file>
 
-<file path=ppt/slides/slide6.xml><?xml version="1.0" encoding="utf-8"?>
-<p:sld xmlns:a="http://schemas.openxmlformats.org/drawingml/2006/main" xmlns:r="http://schemas.openxmlformats.org/officeDocument/2006/relationships" xmlns:p="http://schemas.openxmlformats.org/presentationml/2006/main">
-  <p:cSld>
-    <p:spTree>
-      <p:nvGrpSpPr>
-        <p:cNvPr id="1" name=""/>
-        <p:cNvGrpSpPr/>
-        <p:nvPr/>
-      </p:nvGrpSpPr>
-      <p:grpSpPr>
-        <a:xfrm>
-          <a:off x="0" y="0"/>
-          <a:ext cx="0" cy="0"/>
-          <a:chOff x="0" y="0"/>
-          <a:chExt cx="0" cy="0"/>
-        </a:xfrm>
-      </p:grpSpPr>
-      <p:sp>
-        <p:nvSpPr>
-          <p:cNvPr id="2" name="Title 1"/>
-          <p:cNvSpPr>
-            <a:spLocks noGrp="1"/>
-          </p:cNvSpPr>
-          <p:nvPr>
-            <p:ph type="title"/>
-          </p:nvPr>
-        </p:nvSpPr>
-        <p:spPr>
-          <a:xfrm>
-            <a:off x="684212" y="165463"/>
-            <a:ext cx="10839572" cy="1724297"/>
-          </a:xfrm>
-        </p:spPr>
-        <p:txBody>
-          <a:bodyPr/>
-          <a:lstStyle/>
-          <a:p>
-            <a:pPr algn="ctr"/>
-            <a:r>
-              <a:rPr lang="en-US" dirty="0" smtClean="0"/>
-              <a:t>	</a:t>
-            </a:r>
-            <a:r>
-              <a:rPr lang="en-US" sz="4000" b="1" dirty="0" smtClean="0">
-                <a:solidFill>
-                  <a:schemeClr val="bg1"/>
-                </a:solidFill>
-              </a:rPr>
-              <a:t>ADVANTAGES OF OUR MODEL</a:t>
-            </a:r>
-            <a:endParaRPr lang="en-US" dirty="0"/>
-          </a:p>
-        </p:txBody>
-      </p:sp>
-      <p:sp>
-        <p:nvSpPr>
-          <p:cNvPr id="4" name="TextBox 3"/>
-          <p:cNvSpPr txBox="1"/>
-          <p:nvPr/>
-        </p:nvSpPr>
-        <p:spPr>
-          <a:xfrm>
-            <a:off x="684212" y="1785258"/>
-            <a:ext cx="10767559" cy="3785652"/>
-          </a:xfrm>
-          <a:prstGeom prst="rect">
-            <a:avLst/>
-          </a:prstGeom>
-          <a:noFill/>
-        </p:spPr>
-        <p:txBody>
-          <a:bodyPr wrap="square" rtlCol="0">
-            <a:spAutoFit/>
-          </a:bodyPr>
-          <a:lstStyle/>
-          <a:p>
-            <a:pPr marL="285750" indent="-285750" algn="just">
-              <a:lnSpc>
-                <a:spcPct val="150000"/>
-              </a:lnSpc>
-              <a:buFont typeface="Wingdings" panose="05000000000000000000" pitchFamily="2" charset="2"/>
-              <a:buChar char="Ø"/>
-            </a:pPr>
-            <a:r>
-              <a:rPr lang="en-US" sz="2400" dirty="0" smtClean="0">
-                <a:solidFill>
-                  <a:schemeClr val="bg1"/>
-                </a:solidFill>
-              </a:rPr>
-              <a:t>Provisions for emergency/special cases are taken in the model.</a:t>
-            </a:r>
-          </a:p>
-          <a:p>
-            <a:pPr marL="285750" indent="-285750" algn="just">
-              <a:lnSpc>
-                <a:spcPct val="150000"/>
-              </a:lnSpc>
-              <a:buFont typeface="Wingdings" panose="05000000000000000000" pitchFamily="2" charset="2"/>
-              <a:buChar char="Ø"/>
-            </a:pPr>
-            <a:r>
-              <a:rPr lang="en-US" sz="2400" dirty="0" smtClean="0">
-                <a:solidFill>
-                  <a:schemeClr val="bg1"/>
-                </a:solidFill>
-              </a:rPr>
-              <a:t>Previous access history of a doctor taken into account.</a:t>
-            </a:r>
-          </a:p>
-          <a:p>
-            <a:pPr marL="285750" indent="-285750" algn="just">
-              <a:lnSpc>
-                <a:spcPct val="150000"/>
-              </a:lnSpc>
-              <a:buFont typeface="Wingdings" panose="05000000000000000000" pitchFamily="2" charset="2"/>
-              <a:buChar char="Ø"/>
-            </a:pPr>
-            <a:r>
-              <a:rPr lang="en-US" sz="2400" dirty="0" smtClean="0">
-                <a:solidFill>
-                  <a:schemeClr val="bg1"/>
-                </a:solidFill>
-              </a:rPr>
-              <a:t>High </a:t>
-            </a:r>
-            <a:r>
-              <a:rPr lang="en-US" sz="2400" dirty="0">
-                <a:solidFill>
-                  <a:schemeClr val="bg1"/>
-                </a:solidFill>
-              </a:rPr>
-              <a:t>accuracy as a large number of </a:t>
-            </a:r>
-            <a:r>
-              <a:rPr lang="en-US" sz="2400" dirty="0" smtClean="0">
-                <a:solidFill>
-                  <a:schemeClr val="bg1"/>
-                </a:solidFill>
-              </a:rPr>
-              <a:t>examples will be used for training via </a:t>
-            </a:r>
-            <a:r>
-              <a:rPr lang="en-US" sz="2400" dirty="0">
-                <a:solidFill>
-                  <a:schemeClr val="bg1"/>
-                </a:solidFill>
-              </a:rPr>
-              <a:t>error </a:t>
-            </a:r>
-            <a:r>
-              <a:rPr lang="en-US" sz="2400" dirty="0" err="1">
-                <a:solidFill>
-                  <a:schemeClr val="bg1"/>
-                </a:solidFill>
-              </a:rPr>
-              <a:t>backpropogation</a:t>
-            </a:r>
-            <a:r>
-              <a:rPr lang="en-US" sz="2400" dirty="0">
-                <a:solidFill>
-                  <a:schemeClr val="bg1"/>
-                </a:solidFill>
-              </a:rPr>
-              <a:t> </a:t>
-            </a:r>
-            <a:r>
-              <a:rPr lang="en-US" sz="2400" dirty="0" smtClean="0">
-                <a:solidFill>
-                  <a:schemeClr val="bg1"/>
-                </a:solidFill>
-              </a:rPr>
-              <a:t>technique. </a:t>
-            </a:r>
-          </a:p>
-          <a:p>
-            <a:pPr marL="285750" indent="-285750" algn="just">
-              <a:lnSpc>
-                <a:spcPct val="150000"/>
-              </a:lnSpc>
-              <a:buFont typeface="Wingdings" panose="05000000000000000000" pitchFamily="2" charset="2"/>
-              <a:buChar char="Ø"/>
-            </a:pPr>
-            <a:r>
-              <a:rPr lang="en-US" sz="2400" dirty="0" smtClean="0">
-                <a:solidFill>
-                  <a:schemeClr val="bg1"/>
-                </a:solidFill>
-              </a:rPr>
-              <a:t>Time efficient once training phase is completed.</a:t>
-            </a:r>
-            <a:endParaRPr lang="en-US" sz="2400" dirty="0">
-              <a:solidFill>
-                <a:schemeClr val="bg1"/>
-              </a:solidFill>
-            </a:endParaRPr>
-          </a:p>
-          <a:p>
-            <a:pPr marL="285750" indent="-285750" algn="just">
-              <a:lnSpc>
-                <a:spcPct val="150000"/>
-              </a:lnSpc>
-              <a:buFont typeface="Wingdings" panose="05000000000000000000" pitchFamily="2" charset="2"/>
-              <a:buChar char="Ø"/>
-            </a:pPr>
-            <a:endParaRPr lang="en-US" sz="2400" dirty="0" smtClean="0">
-              <a:solidFill>
-                <a:schemeClr val="bg1"/>
-              </a:solidFill>
-            </a:endParaRPr>
-          </a:p>
-          <a:p>
-            <a:pPr algn="just"/>
-            <a:endParaRPr lang="en-US" sz="2400" dirty="0">
-              <a:solidFill>
-                <a:schemeClr val="bg1"/>
-              </a:solidFill>
-            </a:endParaRPr>
-          </a:p>
-        </p:txBody>
-      </p:sp>
-    </p:spTree>
-    <p:extLst>
-      <p:ext uri="{BB962C8B-B14F-4D97-AF65-F5344CB8AC3E}">
-        <p14:creationId xmlns:p14="http://schemas.microsoft.com/office/powerpoint/2010/main" val="1549689421"/>
-      </p:ext>
-    </p:extLst>
-  </p:cSld>
-  <p:clrMapOvr>
-    <a:masterClrMapping/>
-  </p:clrMapOvr>
-  <p:timing>
-    <p:tnLst>
-      <p:par>
-        <p:cTn id="1" dur="indefinite" restart="never" nodeType="tmRoot">
-          <p:childTnLst>
-            <p:seq concurrent="1" nextAc="seek">
-              <p:cTn id="2" dur="indefinite" nodeType="mainSeq">
-                <p:childTnLst>
-                  <p:par>
-                    <p:cTn id="3" fill="hold">
-                      <p:stCondLst>
-                        <p:cond delay="indefinite"/>
-                        <p:cond evt="onBegin" delay="0">
-                          <p:tn val="2"/>
-                        </p:cond>
-                      </p:stCondLst>
-                      <p:childTnLst>
-                        <p:par>
-                          <p:cTn id="4" fill="hold">
-                            <p:stCondLst>
-                              <p:cond delay="0"/>
-                            </p:stCondLst>
-                            <p:childTnLst>
-                              <p:par>
-                                <p:cTn id="5" presetID="2" presetClass="entr" presetSubtype="4" fill="hold" grpId="0" nodeType="afterEffect">
-                                  <p:stCondLst>
-                                    <p:cond delay="0"/>
-                                  </p:stCondLst>
-                                  <p:childTnLst>
-                                    <p:set>
-                                      <p:cBhvr>
-                                        <p:cTn id="6" dur="1" fill="hold">
-                                          <p:stCondLst>
-                                            <p:cond delay="0"/>
-                                          </p:stCondLst>
-                                        </p:cTn>
-                                        <p:tgtEl>
-                                          <p:spTgt spid="2"/>
-                                        </p:tgtEl>
-                                        <p:attrNameLst>
-                                          <p:attrName>style.visibility</p:attrName>
-                                        </p:attrNameLst>
-                                      </p:cBhvr>
-                                      <p:to>
-                                        <p:strVal val="visible"/>
-                                      </p:to>
-                                    </p:set>
-                                    <p:anim calcmode="lin" valueType="num">
-                                      <p:cBhvr additive="base">
-                                        <p:cTn id="7" dur="500" fill="hold"/>
-                                        <p:tgtEl>
-                                          <p:spTgt spid="2"/>
-                                        </p:tgtEl>
-                                        <p:attrNameLst>
-                                          <p:attrName>ppt_x</p:attrName>
-                                        </p:attrNameLst>
-                                      </p:cBhvr>
-                                      <p:tavLst>
-                                        <p:tav tm="0">
-                                          <p:val>
-                                            <p:strVal val="#ppt_x"/>
-                                          </p:val>
-                                        </p:tav>
-                                        <p:tav tm="100000">
-                                          <p:val>
-                                            <p:strVal val="#ppt_x"/>
-                                          </p:val>
-                                        </p:tav>
-                                      </p:tavLst>
-                                    </p:anim>
-                                    <p:anim calcmode="lin" valueType="num">
-                                      <p:cBhvr additive="base">
-                                        <p:cTn id="8" dur="500" fill="hold"/>
-                                        <p:tgtEl>
-                                          <p:spTgt spid="2"/>
-                                        </p:tgtEl>
-                                        <p:attrNameLst>
-                                          <p:attrName>ppt_y</p:attrName>
-                                        </p:attrNameLst>
-                                      </p:cBhvr>
-                                      <p:tavLst>
-                                        <p:tav tm="0">
-                                          <p:val>
-                                            <p:strVal val="1+#ppt_h/2"/>
-                                          </p:val>
-                                        </p:tav>
-                                        <p:tav tm="100000">
-                                          <p:val>
-                                            <p:strVal val="#ppt_y"/>
-                                          </p:val>
-                                        </p:tav>
-                                      </p:tavLst>
-                                    </p:anim>
-                                  </p:childTnLst>
-                                </p:cTn>
-                              </p:par>
-                              <p:par>
-                                <p:cTn id="9" presetID="42" presetClass="entr" presetSubtype="0" fill="hold" grpId="0" nodeType="withEffect">
-                                  <p:stCondLst>
-                                    <p:cond delay="0"/>
-                                  </p:stCondLst>
-                                  <p:childTnLst>
-                                    <p:set>
-                                      <p:cBhvr>
-                                        <p:cTn id="10" dur="1" fill="hold">
-                                          <p:stCondLst>
-                                            <p:cond delay="0"/>
-                                          </p:stCondLst>
-                                        </p:cTn>
-                                        <p:tgtEl>
-                                          <p:spTgt spid="4"/>
-                                        </p:tgtEl>
-                                        <p:attrNameLst>
-                                          <p:attrName>style.visibility</p:attrName>
-                                        </p:attrNameLst>
-                                      </p:cBhvr>
-                                      <p:to>
-                                        <p:strVal val="visible"/>
-                                      </p:to>
-                                    </p:set>
-                                    <p:animEffect transition="in" filter="fade">
-                                      <p:cBhvr>
-                                        <p:cTn id="11" dur="1000"/>
-                                        <p:tgtEl>
-                                          <p:spTgt spid="4"/>
-                                        </p:tgtEl>
-                                      </p:cBhvr>
-                                    </p:animEffect>
-                                    <p:anim calcmode="lin" valueType="num">
-                                      <p:cBhvr>
-                                        <p:cTn id="12" dur="1000" fill="hold"/>
-                                        <p:tgtEl>
-                                          <p:spTgt spid="4"/>
-                                        </p:tgtEl>
-                                        <p:attrNameLst>
-                                          <p:attrName>ppt_x</p:attrName>
-                                        </p:attrNameLst>
-                                      </p:cBhvr>
-                                      <p:tavLst>
-                                        <p:tav tm="0">
-                                          <p:val>
-                                            <p:strVal val="#ppt_x"/>
-                                          </p:val>
-                                        </p:tav>
-                                        <p:tav tm="100000">
-                                          <p:val>
-                                            <p:strVal val="#ppt_x"/>
-                                          </p:val>
-                                        </p:tav>
-                                      </p:tavLst>
-                                    </p:anim>
-                                    <p:anim calcmode="lin" valueType="num">
-                                      <p:cBhvr>
-                                        <p:cTn id="13" dur="1000" fill="hold"/>
-                                        <p:tgtEl>
-                                          <p:spTgt spid="4"/>
-                                        </p:tgtEl>
-                                        <p:attrNameLst>
-                                          <p:attrName>ppt_y</p:attrName>
-                                        </p:attrNameLst>
-                                      </p:cBhvr>
-                                      <p:tavLst>
-                                        <p:tav tm="0">
-                                          <p:val>
-                                            <p:strVal val="#ppt_y+.1"/>
-                                          </p:val>
-                                        </p:tav>
-                                        <p:tav tm="100000">
-                                          <p:val>
-                                            <p:strVal val="#ppt_y"/>
-                                          </p:val>
-                                        </p:tav>
-                                      </p:tavLst>
-                                    </p:anim>
-                                  </p:childTnLst>
-                                </p:cTn>
-                              </p:par>
-                            </p:childTnLst>
-                          </p:cTn>
-                        </p:par>
-                      </p:childTnLst>
-                    </p:cTn>
-                  </p:par>
-                </p:childTnLst>
-              </p:cTn>
-              <p:prevCondLst>
-                <p:cond evt="onPrev" delay="0">
-                  <p:tgtEl>
-                    <p:sldTgt/>
-                  </p:tgtEl>
-                </p:cond>
-              </p:prevCondLst>
-              <p:nextCondLst>
-                <p:cond evt="onNext" delay="0">
-                  <p:tgtEl>
-                    <p:sldTgt/>
-                  </p:tgtEl>
-                </p:cond>
-              </p:nextCondLst>
-            </p:seq>
-          </p:childTnLst>
-        </p:cTn>
-      </p:par>
-    </p:tnLst>
-    <p:bldLst>
-      <p:bldP spid="2" grpId="0"/>
-      <p:bldP spid="4" grpId="0"/>
-    </p:bldLst>
-  </p:timing>
-</p:sld>
-</file>
-
 <file path=ppt/slides/slide7.xml><?xml version="1.0" encoding="utf-8"?>
 <p:sld xmlns:a="http://schemas.openxmlformats.org/drawingml/2006/main" xmlns:r="http://schemas.openxmlformats.org/officeDocument/2006/relationships" xmlns:p="http://schemas.openxmlformats.org/presentationml/2006/main">
   <p:cSld>
@@ -8692,7 +8663,7 @@
         <p:spPr>
           <a:xfrm>
             <a:off x="694945" y="987554"/>
-            <a:ext cx="10689336" cy="5401479"/>
+            <a:ext cx="10689336" cy="4870564"/>
           </a:xfrm>
           <a:prstGeom prst="rect">
             <a:avLst/>
@@ -8764,12 +8735,20 @@
               <a:buChar char="Ø"/>
             </a:pPr>
             <a:r>
+              <a:rPr lang="en-US" sz="2300" dirty="0">
+                <a:solidFill>
+                  <a:schemeClr val="bg1"/>
+                </a:solidFill>
+              </a:rPr>
+              <a:t>I</a:t>
+            </a:r>
+            <a:r>
               <a:rPr lang="en-US" sz="2300" dirty="0" smtClean="0">
                 <a:solidFill>
                   <a:schemeClr val="bg1"/>
                 </a:solidFill>
               </a:rPr>
-              <a:t>Creation of a data set and implementation of the project to be done next semester. </a:t>
+              <a:t>mplementation of the project to be done next semester. </a:t>
             </a:r>
           </a:p>
           <a:p>
@@ -8786,7 +8765,15 @@
                   <a:schemeClr val="bg1"/>
                 </a:solidFill>
               </a:rPr>
-              <a:t>Future scope could be to expand the base for additional specializations. </a:t>
+              <a:t>Future </a:t>
+            </a:r>
+            <a:r>
+              <a:rPr lang="en-US" sz="2300" dirty="0" smtClean="0">
+                <a:solidFill>
+                  <a:schemeClr val="bg1"/>
+                </a:solidFill>
+              </a:rPr>
+              <a:t>scope could be to expand the base for additional specializations. </a:t>
             </a:r>
             <a:endParaRPr lang="en-US" sz="2300" dirty="0">
               <a:solidFill>
